--- a/287 - Afar in Old Judea.pptx
+++ b/287 - Afar in Old Judea.pptx
@@ -115,10 +115,6 @@
 </p:presentation>
 </file>
 
-<file path=ppt/revisionInfo.xml><?xml version="1.0" encoding="utf-8"?>
-<p1510:revInfo xmlns:a="http://schemas.openxmlformats.org/drawingml/2006/main" xmlns:r="http://schemas.openxmlformats.org/officeDocument/2006/relationships" xmlns:p1510="http://schemas.microsoft.com/office/powerpoint/2015/10/main"/>
-</file>
-
 <file path=ppt/slideLayouts/slideLayout1.xml><?xml version="1.0" encoding="utf-8"?>
 <p:sldLayout xmlns:a="http://schemas.openxmlformats.org/drawingml/2006/main" xmlns:r="http://schemas.openxmlformats.org/officeDocument/2006/relationships" xmlns:p="http://schemas.openxmlformats.org/presentationml/2006/main" type="title" preserve="1">
   <p:cSld name="Title Slide">
@@ -248,7 +244,7 @@
           <a:p>
             <a:fld id="{32F7251A-AE54-443C-B8FE-5F636E835EBF}" type="datetimeFigureOut">
               <a:rPr lang="en-US" smtClean="0"/>
-              <a:t>8/12/2017</a:t>
+              <a:t>11/24/2019</a:t>
             </a:fld>
             <a:endParaRPr lang="en-US"/>
           </a:p>
@@ -416,7 +412,7 @@
           <a:p>
             <a:fld id="{32F7251A-AE54-443C-B8FE-5F636E835EBF}" type="datetimeFigureOut">
               <a:rPr lang="en-US" smtClean="0"/>
-              <a:t>8/12/2017</a:t>
+              <a:t>11/24/2019</a:t>
             </a:fld>
             <a:endParaRPr lang="en-US"/>
           </a:p>
@@ -594,7 +590,7 @@
           <a:p>
             <a:fld id="{32F7251A-AE54-443C-B8FE-5F636E835EBF}" type="datetimeFigureOut">
               <a:rPr lang="en-US" smtClean="0"/>
-              <a:t>8/12/2017</a:t>
+              <a:t>11/24/2019</a:t>
             </a:fld>
             <a:endParaRPr lang="en-US"/>
           </a:p>
@@ -762,7 +758,7 @@
           <a:p>
             <a:fld id="{32F7251A-AE54-443C-B8FE-5F636E835EBF}" type="datetimeFigureOut">
               <a:rPr lang="en-US" smtClean="0"/>
-              <a:t>8/12/2017</a:t>
+              <a:t>11/24/2019</a:t>
             </a:fld>
             <a:endParaRPr lang="en-US"/>
           </a:p>
@@ -1007,7 +1003,7 @@
           <a:p>
             <a:fld id="{32F7251A-AE54-443C-B8FE-5F636E835EBF}" type="datetimeFigureOut">
               <a:rPr lang="en-US" smtClean="0"/>
-              <a:t>8/12/2017</a:t>
+              <a:t>11/24/2019</a:t>
             </a:fld>
             <a:endParaRPr lang="en-US"/>
           </a:p>
@@ -1236,7 +1232,7 @@
           <a:p>
             <a:fld id="{32F7251A-AE54-443C-B8FE-5F636E835EBF}" type="datetimeFigureOut">
               <a:rPr lang="en-US" smtClean="0"/>
-              <a:t>8/12/2017</a:t>
+              <a:t>11/24/2019</a:t>
             </a:fld>
             <a:endParaRPr lang="en-US"/>
           </a:p>
@@ -1600,7 +1596,7 @@
           <a:p>
             <a:fld id="{32F7251A-AE54-443C-B8FE-5F636E835EBF}" type="datetimeFigureOut">
               <a:rPr lang="en-US" smtClean="0"/>
-              <a:t>8/12/2017</a:t>
+              <a:t>11/24/2019</a:t>
             </a:fld>
             <a:endParaRPr lang="en-US"/>
           </a:p>
@@ -1717,7 +1713,7 @@
           <a:p>
             <a:fld id="{32F7251A-AE54-443C-B8FE-5F636E835EBF}" type="datetimeFigureOut">
               <a:rPr lang="en-US" smtClean="0"/>
-              <a:t>8/12/2017</a:t>
+              <a:t>11/24/2019</a:t>
             </a:fld>
             <a:endParaRPr lang="en-US"/>
           </a:p>
@@ -1812,7 +1808,7 @@
           <a:p>
             <a:fld id="{32F7251A-AE54-443C-B8FE-5F636E835EBF}" type="datetimeFigureOut">
               <a:rPr lang="en-US" smtClean="0"/>
-              <a:t>8/12/2017</a:t>
+              <a:t>11/24/2019</a:t>
             </a:fld>
             <a:endParaRPr lang="en-US"/>
           </a:p>
@@ -2087,7 +2083,7 @@
           <a:p>
             <a:fld id="{32F7251A-AE54-443C-B8FE-5F636E835EBF}" type="datetimeFigureOut">
               <a:rPr lang="en-US" smtClean="0"/>
-              <a:t>8/12/2017</a:t>
+              <a:t>11/24/2019</a:t>
             </a:fld>
             <a:endParaRPr lang="en-US"/>
           </a:p>
@@ -2339,7 +2335,7 @@
           <a:p>
             <a:fld id="{32F7251A-AE54-443C-B8FE-5F636E835EBF}" type="datetimeFigureOut">
               <a:rPr lang="en-US" smtClean="0"/>
-              <a:t>8/12/2017</a:t>
+              <a:t>11/24/2019</a:t>
             </a:fld>
             <a:endParaRPr lang="en-US"/>
           </a:p>
@@ -2406,7 +2402,9 @@
     <p:bg>
       <p:bgPr>
         <a:solidFill>
-          <a:srgbClr val="333333"/>
+          <a:schemeClr val="bg1">
+            <a:lumMod val="10000"/>
+          </a:schemeClr>
         </a:solidFill>
         <a:effectLst/>
       </p:bgPr>
@@ -2553,7 +2551,7 @@
           <a:p>
             <a:fld id="{32F7251A-AE54-443C-B8FE-5F636E835EBF}" type="datetimeFigureOut">
               <a:rPr lang="en-US" smtClean="0"/>
-              <a:t>8/12/2017</a:t>
+              <a:t>11/24/2019</a:t>
             </a:fld>
             <a:endParaRPr lang="en-US"/>
           </a:p>
@@ -3023,8 +3021,8 @@
         </p:nvSpPr>
         <p:spPr>
           <a:xfrm>
-            <a:off x="0" y="5804209"/>
-            <a:ext cx="12192000" cy="830997"/>
+            <a:off x="0" y="5927320"/>
+            <a:ext cx="12192000" cy="584775"/>
           </a:xfrm>
           <a:prstGeom prst="rect">
             <a:avLst/>
@@ -3039,10 +3037,12 @@
           <a:p>
             <a:pPr algn="ctr"/>
             <a:r>
-              <a:rPr lang="en-US" sz="4800" dirty="0">
+              <a:rPr lang="en-US" sz="3200" u="sng" dirty="0">
                 <a:solidFill>
                   <a:schemeClr val="bg1"/>
                 </a:solidFill>
+                <a:latin typeface="Assistant SemiBold" panose="00000700000000000000" pitchFamily="2" charset="-79"/>
+                <a:cs typeface="Assistant SemiBold" panose="00000700000000000000" pitchFamily="2" charset="-79"/>
               </a:rPr>
               <a:t>“Afar in Old Judea”</a:t>
             </a:r>
@@ -3057,8 +3057,8 @@
         </p:nvSpPr>
         <p:spPr>
           <a:xfrm>
-            <a:off x="0" y="215167"/>
-            <a:ext cx="12192000" cy="5078313"/>
+            <a:off x="0" y="729571"/>
+            <a:ext cx="12192000" cy="3970318"/>
           </a:xfrm>
           <a:prstGeom prst="rect">
             <a:avLst/>
@@ -3073,32 +3073,38 @@
           <a:p>
             <a:pPr algn="ctr"/>
             <a:r>
-              <a:rPr lang="en-US" sz="3600" dirty="0">
+              <a:rPr lang="en-US" sz="2800" spc="50" dirty="0">
                 <a:solidFill>
                   <a:schemeClr val="bg1"/>
                 </a:solidFill>
+                <a:latin typeface="Assistant" panose="00000500000000000000" pitchFamily="2" charset="-79"/>
+                <a:cs typeface="Assistant" panose="00000500000000000000" pitchFamily="2" charset="-79"/>
               </a:rPr>
-              <a:t>Afar in old Judea </a:t>
+              <a:t>Afar in old Judea, </a:t>
             </a:r>
           </a:p>
           <a:p>
             <a:pPr algn="ctr"/>
             <a:r>
-              <a:rPr lang="en-US" sz="3600" dirty="0">
+              <a:rPr lang="en-US" sz="2800" spc="50" dirty="0">
                 <a:solidFill>
                   <a:schemeClr val="bg1"/>
                 </a:solidFill>
+                <a:latin typeface="Assistant" panose="00000500000000000000" pitchFamily="2" charset="-79"/>
+                <a:cs typeface="Assistant" panose="00000500000000000000" pitchFamily="2" charset="-79"/>
               </a:rPr>
-              <a:t>Above the Jordan stream  </a:t>
+              <a:t>Above the Jordan stream,  </a:t>
             </a:r>
           </a:p>
           <a:p>
             <a:pPr algn="ctr"/>
             <a:r>
-              <a:rPr lang="en-US" sz="3600" dirty="0">
+              <a:rPr lang="en-US" sz="2800" spc="50" dirty="0">
                 <a:solidFill>
                   <a:schemeClr val="bg1"/>
                 </a:solidFill>
+                <a:latin typeface="Assistant" panose="00000500000000000000" pitchFamily="2" charset="-79"/>
+                <a:cs typeface="Assistant" panose="00000500000000000000" pitchFamily="2" charset="-79"/>
               </a:rPr>
               <a:t>A heavenly light descended </a:t>
             </a:r>
@@ -3106,10 +3112,12 @@
           <a:p>
             <a:pPr algn="ctr"/>
             <a:r>
-              <a:rPr lang="en-US" sz="3600" dirty="0">
+              <a:rPr lang="en-US" sz="2800" spc="50" dirty="0">
                 <a:solidFill>
                   <a:schemeClr val="bg1"/>
                 </a:solidFill>
+                <a:latin typeface="Assistant" panose="00000500000000000000" pitchFamily="2" charset="-79"/>
+                <a:cs typeface="Assistant" panose="00000500000000000000" pitchFamily="2" charset="-79"/>
               </a:rPr>
               <a:t>On a baptismal scene </a:t>
             </a:r>
@@ -3117,10 +3125,12 @@
           <a:p>
             <a:pPr algn="ctr"/>
             <a:r>
-              <a:rPr lang="en-US" sz="3600" dirty="0">
+              <a:rPr lang="en-US" sz="2800" spc="50" dirty="0">
                 <a:solidFill>
                   <a:schemeClr val="bg1"/>
                 </a:solidFill>
+                <a:latin typeface="Assistant" panose="00000500000000000000" pitchFamily="2" charset="-79"/>
+                <a:cs typeface="Assistant" panose="00000500000000000000" pitchFamily="2" charset="-79"/>
               </a:rPr>
               <a:t> </a:t>
             </a:r>
@@ -3128,10 +3138,12 @@
           <a:p>
             <a:pPr algn="ctr"/>
             <a:r>
-              <a:rPr lang="en-US" sz="3600" dirty="0">
+              <a:rPr lang="en-US" sz="2800" spc="50" dirty="0">
                 <a:solidFill>
                   <a:schemeClr val="bg1"/>
                 </a:solidFill>
+                <a:latin typeface="Assistant" panose="00000500000000000000" pitchFamily="2" charset="-79"/>
+                <a:cs typeface="Assistant" panose="00000500000000000000" pitchFamily="2" charset="-79"/>
               </a:rPr>
               <a:t>Then came the confirmation</a:t>
             </a:r>
@@ -3139,10 +3151,12 @@
           <a:p>
             <a:pPr algn="ctr"/>
             <a:r>
-              <a:rPr lang="en-US" sz="3600" dirty="0">
+              <a:rPr lang="en-US" sz="2800" spc="50" dirty="0">
                 <a:solidFill>
                   <a:schemeClr val="bg1"/>
                 </a:solidFill>
+                <a:latin typeface="Assistant" panose="00000500000000000000" pitchFamily="2" charset="-79"/>
+                <a:cs typeface="Assistant" panose="00000500000000000000" pitchFamily="2" charset="-79"/>
               </a:rPr>
               <a:t>Of Jesus, from above;</a:t>
             </a:r>
@@ -3150,10 +3164,12 @@
           <a:p>
             <a:pPr algn="ctr"/>
             <a:r>
-              <a:rPr lang="en-US" sz="3600" dirty="0">
+              <a:rPr lang="en-US" sz="2800" spc="50" dirty="0">
                 <a:solidFill>
                   <a:schemeClr val="bg1"/>
                 </a:solidFill>
+                <a:latin typeface="Assistant" panose="00000500000000000000" pitchFamily="2" charset="-79"/>
+                <a:cs typeface="Assistant" panose="00000500000000000000" pitchFamily="2" charset="-79"/>
               </a:rPr>
               <a:t>The sacramental signet:</a:t>
             </a:r>
@@ -3161,10 +3177,12 @@
           <a:p>
             <a:pPr algn="ctr"/>
             <a:r>
-              <a:rPr lang="en-US" sz="3600" dirty="0">
+              <a:rPr lang="en-US" sz="2800" spc="50" dirty="0">
                 <a:solidFill>
                   <a:schemeClr val="bg1"/>
                 </a:solidFill>
+                <a:latin typeface="Assistant" panose="00000500000000000000" pitchFamily="2" charset="-79"/>
+                <a:cs typeface="Assistant" panose="00000500000000000000" pitchFamily="2" charset="-79"/>
               </a:rPr>
               <a:t>The Spirit as a dove.</a:t>
             </a:r>
@@ -3266,8 +3284,8 @@
         </p:nvSpPr>
         <p:spPr>
           <a:xfrm>
-            <a:off x="0" y="5804209"/>
-            <a:ext cx="12192000" cy="830997"/>
+            <a:off x="0" y="5927320"/>
+            <a:ext cx="12192000" cy="584775"/>
           </a:xfrm>
           <a:prstGeom prst="rect">
             <a:avLst/>
@@ -3282,10 +3300,12 @@
           <a:p>
             <a:pPr algn="ctr"/>
             <a:r>
-              <a:rPr lang="en-US" sz="4800" dirty="0">
+              <a:rPr lang="en-US" sz="3200" u="sng" dirty="0">
                 <a:solidFill>
                   <a:schemeClr val="bg1"/>
                 </a:solidFill>
+                <a:latin typeface="Assistant SemiBold" panose="00000700000000000000" pitchFamily="2" charset="-79"/>
+                <a:cs typeface="Assistant SemiBold" panose="00000700000000000000" pitchFamily="2" charset="-79"/>
               </a:rPr>
               <a:t>“Afar in Old Judea”</a:t>
             </a:r>
@@ -3300,8 +3320,8 @@
         </p:nvSpPr>
         <p:spPr>
           <a:xfrm>
-            <a:off x="0" y="215167"/>
-            <a:ext cx="12192000" cy="5078313"/>
+            <a:off x="0" y="729571"/>
+            <a:ext cx="12192000" cy="3970318"/>
           </a:xfrm>
           <a:prstGeom prst="rect">
             <a:avLst/>
@@ -3316,10 +3336,12 @@
           <a:p>
             <a:pPr algn="ctr"/>
             <a:r>
-              <a:rPr lang="en-US" sz="3600" dirty="0">
+              <a:rPr lang="en-US" sz="2800" spc="50" dirty="0">
                 <a:solidFill>
                   <a:schemeClr val="bg1"/>
                 </a:solidFill>
+                <a:latin typeface="Assistant" panose="00000500000000000000" pitchFamily="2" charset="-79"/>
+                <a:cs typeface="Assistant" panose="00000500000000000000" pitchFamily="2" charset="-79"/>
               </a:rPr>
               <a:t>In ancient Zarahemla,</a:t>
             </a:r>
@@ -3327,21 +3349,25 @@
           <a:p>
             <a:pPr algn="ctr"/>
             <a:r>
-              <a:rPr lang="en-US" sz="3600" dirty="0">
+              <a:rPr lang="en-US" sz="2800" spc="50" dirty="0">
                 <a:solidFill>
                   <a:schemeClr val="bg1"/>
                 </a:solidFill>
+                <a:latin typeface="Assistant" panose="00000500000000000000" pitchFamily="2" charset="-79"/>
+                <a:cs typeface="Assistant" panose="00000500000000000000" pitchFamily="2" charset="-79"/>
               </a:rPr>
-              <a:t>Above the temple towers</a:t>
+              <a:t>Above the temple towers,</a:t>
             </a:r>
           </a:p>
           <a:p>
             <a:pPr algn="ctr"/>
             <a:r>
-              <a:rPr lang="en-US" sz="3600" dirty="0">
+              <a:rPr lang="en-US" sz="2800" spc="50" dirty="0">
                 <a:solidFill>
                   <a:schemeClr val="bg1"/>
                 </a:solidFill>
+                <a:latin typeface="Assistant" panose="00000500000000000000" pitchFamily="2" charset="-79"/>
+                <a:cs typeface="Assistant" panose="00000500000000000000" pitchFamily="2" charset="-79"/>
               </a:rPr>
               <a:t>Appeared the Christ of Judah</a:t>
             </a:r>
@@ -3349,29 +3375,35 @@
           <a:p>
             <a:pPr algn="ctr"/>
             <a:r>
-              <a:rPr lang="en-US" sz="3600" dirty="0">
+              <a:rPr lang="en-US" sz="2800" spc="50" dirty="0">
                 <a:solidFill>
                   <a:schemeClr val="bg1"/>
                 </a:solidFill>
+                <a:latin typeface="Assistant" panose="00000500000000000000" pitchFamily="2" charset="-79"/>
+                <a:cs typeface="Assistant" panose="00000500000000000000" pitchFamily="2" charset="-79"/>
               </a:rPr>
               <a:t>To crown the watchful hours.</a:t>
             </a:r>
           </a:p>
           <a:p>
             <a:pPr algn="ctr"/>
-            <a:endParaRPr lang="en-US" sz="3600" dirty="0">
+            <a:endParaRPr lang="en-US" sz="2800" spc="50" dirty="0">
               <a:solidFill>
                 <a:schemeClr val="bg1"/>
               </a:solidFill>
+              <a:latin typeface="Assistant" panose="00000500000000000000" pitchFamily="2" charset="-79"/>
+              <a:cs typeface="Assistant" panose="00000500000000000000" pitchFamily="2" charset="-79"/>
             </a:endParaRPr>
           </a:p>
           <a:p>
             <a:pPr algn="ctr"/>
             <a:r>
-              <a:rPr lang="en-US" sz="3600" dirty="0">
+              <a:rPr lang="en-US" sz="2800" spc="50" dirty="0">
                 <a:solidFill>
                   <a:schemeClr val="bg1"/>
                 </a:solidFill>
+                <a:latin typeface="Assistant" panose="00000500000000000000" pitchFamily="2" charset="-79"/>
+                <a:cs typeface="Assistant" panose="00000500000000000000" pitchFamily="2" charset="-79"/>
               </a:rPr>
               <a:t>A voice—serene, yet piercing—</a:t>
             </a:r>
@@ -3379,10 +3411,12 @@
           <a:p>
             <a:pPr algn="ctr"/>
             <a:r>
-              <a:rPr lang="en-US" sz="3600" dirty="0">
+              <a:rPr lang="en-US" sz="2800" spc="50" dirty="0">
                 <a:solidFill>
                   <a:schemeClr val="bg1"/>
                 </a:solidFill>
+                <a:latin typeface="Assistant" panose="00000500000000000000" pitchFamily="2" charset="-79"/>
+                <a:cs typeface="Assistant" panose="00000500000000000000" pitchFamily="2" charset="-79"/>
               </a:rPr>
               <a:t>Beyond our words to tell,</a:t>
             </a:r>
@@ -3390,10 +3424,12 @@
           <a:p>
             <a:pPr algn="ctr"/>
             <a:r>
-              <a:rPr lang="en-US" sz="3600" dirty="0">
+              <a:rPr lang="en-US" sz="2800" spc="50" dirty="0">
                 <a:solidFill>
                   <a:schemeClr val="bg1"/>
                 </a:solidFill>
+                <a:latin typeface="Assistant" panose="00000500000000000000" pitchFamily="2" charset="-79"/>
+                <a:cs typeface="Assistant" panose="00000500000000000000" pitchFamily="2" charset="-79"/>
               </a:rPr>
               <a:t>Proclaimed Him as the Savior</a:t>
             </a:r>
@@ -3401,10 +3437,12 @@
           <a:p>
             <a:pPr algn="ctr"/>
             <a:r>
-              <a:rPr lang="en-US" sz="3600" dirty="0">
+              <a:rPr lang="en-US" sz="2800" spc="50" dirty="0">
                 <a:solidFill>
                   <a:schemeClr val="bg1"/>
                 </a:solidFill>
+                <a:latin typeface="Assistant" panose="00000500000000000000" pitchFamily="2" charset="-79"/>
+                <a:cs typeface="Assistant" panose="00000500000000000000" pitchFamily="2" charset="-79"/>
               </a:rPr>
               <a:t>Whom prophets did foretell.</a:t>
             </a:r>
@@ -3506,8 +3544,8 @@
         </p:nvSpPr>
         <p:spPr>
           <a:xfrm>
-            <a:off x="0" y="5804209"/>
-            <a:ext cx="12192000" cy="830997"/>
+            <a:off x="0" y="5927320"/>
+            <a:ext cx="12192000" cy="584775"/>
           </a:xfrm>
           <a:prstGeom prst="rect">
             <a:avLst/>
@@ -3522,10 +3560,12 @@
           <a:p>
             <a:pPr algn="ctr"/>
             <a:r>
-              <a:rPr lang="en-US" sz="4800" dirty="0">
+              <a:rPr lang="en-US" sz="3200" u="sng" dirty="0">
                 <a:solidFill>
                   <a:schemeClr val="bg1"/>
                 </a:solidFill>
+                <a:latin typeface="Assistant SemiBold" panose="00000700000000000000" pitchFamily="2" charset="-79"/>
+                <a:cs typeface="Assistant SemiBold" panose="00000700000000000000" pitchFamily="2" charset="-79"/>
               </a:rPr>
               <a:t>“Afar in Old Judea”</a:t>
             </a:r>
@@ -3540,8 +3580,8 @@
         </p:nvSpPr>
         <p:spPr>
           <a:xfrm>
-            <a:off x="0" y="215167"/>
-            <a:ext cx="12192000" cy="5078313"/>
+            <a:off x="0" y="729571"/>
+            <a:ext cx="12192000" cy="3970318"/>
           </a:xfrm>
           <a:prstGeom prst="rect">
             <a:avLst/>
@@ -3552,107 +3592,99 @@
           <a:bodyPr wrap="square" rtlCol="0">
             <a:spAutoFit/>
           </a:bodyPr>
-          <a:lstStyle/>
-          <a:p>
-            <a:pPr algn="ctr"/>
-            <a:r>
-              <a:rPr lang="en-US" sz="3600" dirty="0">
+          <a:lstStyle>
+            <a:defPPr>
+              <a:defRPr lang="en-US"/>
+            </a:defPPr>
+            <a:lvl1pPr algn="ctr">
+              <a:defRPr sz="3600">
                 <a:solidFill>
                   <a:schemeClr val="bg1"/>
                 </a:solidFill>
+              </a:defRPr>
+            </a:lvl1pPr>
+          </a:lstStyle>
+          <a:p>
+            <a:r>
+              <a:rPr lang="en-US" sz="2800" spc="50" dirty="0">
+                <a:latin typeface="Assistant" panose="00000500000000000000" pitchFamily="2" charset="-79"/>
+                <a:cs typeface="Assistant" panose="00000500000000000000" pitchFamily="2" charset="-79"/>
               </a:rPr>
               <a:t>Then followed years of silence,</a:t>
             </a:r>
           </a:p>
           <a:p>
-            <a:pPr algn="ctr"/>
-            <a:r>
-              <a:rPr lang="en-US" sz="3600" dirty="0" err="1">
-                <a:solidFill>
-                  <a:schemeClr val="bg1"/>
-                </a:solidFill>
+            <a:r>
+              <a:rPr lang="en-US" sz="2800" spc="50" dirty="0" err="1">
+                <a:latin typeface="Assistant" panose="00000500000000000000" pitchFamily="2" charset="-79"/>
+                <a:cs typeface="Assistant" panose="00000500000000000000" pitchFamily="2" charset="-79"/>
               </a:rPr>
               <a:t>‘Til</a:t>
             </a:r>
             <a:r>
-              <a:rPr lang="en-US" sz="3600" dirty="0">
-                <a:solidFill>
-                  <a:schemeClr val="bg1"/>
-                </a:solidFill>
+              <a:rPr lang="en-US" sz="2800" spc="50" dirty="0">
+                <a:latin typeface="Assistant" panose="00000500000000000000" pitchFamily="2" charset="-79"/>
+                <a:cs typeface="Assistant" panose="00000500000000000000" pitchFamily="2" charset="-79"/>
               </a:rPr>
               <a:t> one who sought God’s way</a:t>
             </a:r>
           </a:p>
           <a:p>
-            <a:pPr algn="ctr"/>
-            <a:r>
-              <a:rPr lang="en-US" sz="3600" dirty="0">
-                <a:solidFill>
-                  <a:schemeClr val="bg1"/>
-                </a:solidFill>
+            <a:r>
+              <a:rPr lang="en-US" sz="2800" spc="50" dirty="0">
+                <a:latin typeface="Assistant" panose="00000500000000000000" pitchFamily="2" charset="-79"/>
+                <a:cs typeface="Assistant" panose="00000500000000000000" pitchFamily="2" charset="-79"/>
               </a:rPr>
               <a:t>Saw in Palmyra’s woodland</a:t>
             </a:r>
           </a:p>
           <a:p>
-            <a:pPr algn="ctr"/>
-            <a:r>
-              <a:rPr lang="en-US" sz="3600" dirty="0">
-                <a:solidFill>
-                  <a:schemeClr val="bg1"/>
-                </a:solidFill>
+            <a:r>
+              <a:rPr lang="en-US" sz="2800" spc="50" dirty="0">
+                <a:latin typeface="Assistant" panose="00000500000000000000" pitchFamily="2" charset="-79"/>
+                <a:cs typeface="Assistant" panose="00000500000000000000" pitchFamily="2" charset="-79"/>
               </a:rPr>
               <a:t>A light beyond his day,</a:t>
             </a:r>
           </a:p>
           <a:p>
-            <a:pPr algn="ctr"/>
-            <a:endParaRPr lang="en-US" sz="3600" dirty="0">
-              <a:solidFill>
-                <a:schemeClr val="bg1"/>
-              </a:solidFill>
+            <a:endParaRPr lang="en-US" sz="2800" spc="50" dirty="0">
+              <a:latin typeface="Assistant" panose="00000500000000000000" pitchFamily="2" charset="-79"/>
+              <a:cs typeface="Assistant" panose="00000500000000000000" pitchFamily="2" charset="-79"/>
             </a:endParaRPr>
           </a:p>
           <a:p>
-            <a:pPr algn="ctr"/>
-            <a:r>
-              <a:rPr lang="en-US" sz="3600" dirty="0">
-                <a:solidFill>
-                  <a:schemeClr val="bg1"/>
-                </a:solidFill>
+            <a:r>
+              <a:rPr lang="en-US" sz="2800" spc="50" dirty="0">
+                <a:latin typeface="Assistant" panose="00000500000000000000" pitchFamily="2" charset="-79"/>
+                <a:cs typeface="Assistant" panose="00000500000000000000" pitchFamily="2" charset="-79"/>
               </a:rPr>
               <a:t>And when the vision opened</a:t>
             </a:r>
           </a:p>
           <a:p>
-            <a:pPr algn="ctr"/>
-            <a:r>
-              <a:rPr lang="en-US" sz="3600" dirty="0">
-                <a:solidFill>
-                  <a:schemeClr val="bg1"/>
-                </a:solidFill>
+            <a:r>
+              <a:rPr lang="en-US" sz="2800" spc="50" dirty="0">
+                <a:latin typeface="Assistant" panose="00000500000000000000" pitchFamily="2" charset="-79"/>
+                <a:cs typeface="Assistant" panose="00000500000000000000" pitchFamily="2" charset="-79"/>
               </a:rPr>
               <a:t>To him whose sight was dim, </a:t>
             </a:r>
           </a:p>
           <a:p>
-            <a:pPr algn="ctr"/>
-            <a:r>
-              <a:rPr lang="en-US" sz="3600" dirty="0">
-                <a:solidFill>
-                  <a:schemeClr val="bg1"/>
-                </a:solidFill>
+            <a:r>
+              <a:rPr lang="en-US" sz="2800" spc="50" dirty="0">
+                <a:latin typeface="Assistant" panose="00000500000000000000" pitchFamily="2" charset="-79"/>
+                <a:cs typeface="Assistant" panose="00000500000000000000" pitchFamily="2" charset="-79"/>
               </a:rPr>
               <a:t>He heard the Father saying, </a:t>
             </a:r>
           </a:p>
           <a:p>
-            <a:pPr algn="ctr"/>
-            <a:r>
-              <a:rPr lang="en-US" sz="3600" dirty="0">
-                <a:solidFill>
-                  <a:schemeClr val="bg1"/>
-                </a:solidFill>
+            <a:r>
+              <a:rPr lang="en-US" sz="2800" spc="50" dirty="0">
+                <a:latin typeface="Assistant" panose="00000500000000000000" pitchFamily="2" charset="-79"/>
+                <a:cs typeface="Assistant" panose="00000500000000000000" pitchFamily="2" charset="-79"/>
               </a:rPr>
               <a:t>“This is my Son– hear Him!”</a:t>
             </a:r>
@@ -3754,8 +3786,8 @@
         </p:nvSpPr>
         <p:spPr>
           <a:xfrm>
-            <a:off x="0" y="5804209"/>
-            <a:ext cx="12192000" cy="830997"/>
+            <a:off x="0" y="5927320"/>
+            <a:ext cx="12192000" cy="584775"/>
           </a:xfrm>
           <a:prstGeom prst="rect">
             <a:avLst/>
@@ -3770,10 +3802,12 @@
           <a:p>
             <a:pPr algn="ctr"/>
             <a:r>
-              <a:rPr lang="en-US" sz="4800" dirty="0">
+              <a:rPr lang="en-US" sz="3200" u="sng" dirty="0">
                 <a:solidFill>
                   <a:schemeClr val="bg1"/>
                 </a:solidFill>
+                <a:latin typeface="Assistant SemiBold" panose="00000700000000000000" pitchFamily="2" charset="-79"/>
+                <a:cs typeface="Assistant SemiBold" panose="00000700000000000000" pitchFamily="2" charset="-79"/>
               </a:rPr>
               <a:t>“Afar in Old Judea”</a:t>
             </a:r>
@@ -3788,8 +3822,8 @@
         </p:nvSpPr>
         <p:spPr>
           <a:xfrm>
-            <a:off x="0" y="215167"/>
-            <a:ext cx="12192000" cy="5078313"/>
+            <a:off x="0" y="729571"/>
+            <a:ext cx="12192000" cy="3970318"/>
           </a:xfrm>
           <a:prstGeom prst="rect">
             <a:avLst/>
@@ -3804,10 +3838,12 @@
           <a:p>
             <a:pPr algn="ctr"/>
             <a:r>
-              <a:rPr lang="en-US" sz="3600" dirty="0">
+              <a:rPr lang="en-US" sz="2800" spc="50" dirty="0">
                 <a:solidFill>
                   <a:schemeClr val="bg1"/>
                 </a:solidFill>
+                <a:latin typeface="Assistant" panose="00000500000000000000" pitchFamily="2" charset="-79"/>
+                <a:cs typeface="Assistant" panose="00000500000000000000" pitchFamily="2" charset="-79"/>
               </a:rPr>
               <a:t>Today the heavens are open</a:t>
             </a:r>
@@ -3815,10 +3851,12 @@
           <a:p>
             <a:pPr algn="ctr"/>
             <a:r>
-              <a:rPr lang="en-US" sz="3600" dirty="0">
+              <a:rPr lang="en-US" sz="2800" spc="50" dirty="0">
                 <a:solidFill>
                   <a:schemeClr val="bg1"/>
                 </a:solidFill>
+                <a:latin typeface="Assistant" panose="00000500000000000000" pitchFamily="2" charset="-79"/>
+                <a:cs typeface="Assistant" panose="00000500000000000000" pitchFamily="2" charset="-79"/>
               </a:rPr>
               <a:t>To souls prepared to hear</a:t>
             </a:r>
@@ -3826,10 +3864,12 @@
           <a:p>
             <a:pPr algn="ctr"/>
             <a:r>
-              <a:rPr lang="en-US" sz="3600" dirty="0">
+              <a:rPr lang="en-US" sz="2800" spc="50" dirty="0">
                 <a:solidFill>
                   <a:schemeClr val="bg1"/>
                 </a:solidFill>
+                <a:latin typeface="Assistant" panose="00000500000000000000" pitchFamily="2" charset="-79"/>
+                <a:cs typeface="Assistant" panose="00000500000000000000" pitchFamily="2" charset="-79"/>
               </a:rPr>
               <a:t>The wondrous revelation</a:t>
             </a:r>
@@ -3837,29 +3877,35 @@
           <a:p>
             <a:pPr algn="ctr"/>
             <a:r>
-              <a:rPr lang="en-US" sz="3600" dirty="0">
+              <a:rPr lang="en-US" sz="2800" spc="50" dirty="0">
                 <a:solidFill>
                   <a:schemeClr val="bg1"/>
                 </a:solidFill>
+                <a:latin typeface="Assistant" panose="00000500000000000000" pitchFamily="2" charset="-79"/>
+                <a:cs typeface="Assistant" panose="00000500000000000000" pitchFamily="2" charset="-79"/>
               </a:rPr>
               <a:t>Of Christ, who’s ever near.</a:t>
             </a:r>
           </a:p>
           <a:p>
             <a:pPr algn="ctr"/>
-            <a:endParaRPr lang="en-US" sz="3600" dirty="0">
+            <a:endParaRPr lang="en-US" sz="2800" spc="50" dirty="0">
               <a:solidFill>
                 <a:schemeClr val="bg1"/>
               </a:solidFill>
+              <a:latin typeface="Assistant" panose="00000500000000000000" pitchFamily="2" charset="-79"/>
+              <a:cs typeface="Assistant" panose="00000500000000000000" pitchFamily="2" charset="-79"/>
             </a:endParaRPr>
           </a:p>
           <a:p>
             <a:pPr algn="ctr"/>
             <a:r>
-              <a:rPr lang="en-US" sz="3600" dirty="0">
+              <a:rPr lang="en-US" sz="2800" spc="50" dirty="0">
                 <a:solidFill>
                   <a:schemeClr val="bg1"/>
                 </a:solidFill>
+                <a:latin typeface="Assistant" panose="00000500000000000000" pitchFamily="2" charset="-79"/>
+                <a:cs typeface="Assistant" panose="00000500000000000000" pitchFamily="2" charset="-79"/>
               </a:rPr>
               <a:t>The Savior of the ages</a:t>
             </a:r>
@@ -3867,10 +3913,12 @@
           <a:p>
             <a:pPr algn="ctr"/>
             <a:r>
-              <a:rPr lang="en-US" sz="3600" dirty="0">
+              <a:rPr lang="en-US" sz="2800" spc="50" dirty="0">
                 <a:solidFill>
                   <a:schemeClr val="bg1"/>
                 </a:solidFill>
+                <a:latin typeface="Assistant" panose="00000500000000000000" pitchFamily="2" charset="-79"/>
+                <a:cs typeface="Assistant" panose="00000500000000000000" pitchFamily="2" charset="-79"/>
               </a:rPr>
               <a:t>Will live with us today,</a:t>
             </a:r>
@@ -3878,10 +3926,12 @@
           <a:p>
             <a:pPr algn="ctr"/>
             <a:r>
-              <a:rPr lang="en-US" sz="3600" dirty="0">
+              <a:rPr lang="en-US" sz="2800" spc="50" dirty="0">
                 <a:solidFill>
                   <a:schemeClr val="bg1"/>
                 </a:solidFill>
+                <a:latin typeface="Assistant" panose="00000500000000000000" pitchFamily="2" charset="-79"/>
+                <a:cs typeface="Assistant" panose="00000500000000000000" pitchFamily="2" charset="-79"/>
               </a:rPr>
               <a:t>If we but try to know Him</a:t>
             </a:r>
@@ -3889,10 +3939,12 @@
           <a:p>
             <a:pPr algn="ctr"/>
             <a:r>
-              <a:rPr lang="en-US" sz="3600" dirty="0">
+              <a:rPr lang="en-US" sz="2800" spc="50" dirty="0">
                 <a:solidFill>
                   <a:schemeClr val="bg1"/>
                 </a:solidFill>
+                <a:latin typeface="Assistant" panose="00000500000000000000" pitchFamily="2" charset="-79"/>
+                <a:cs typeface="Assistant" panose="00000500000000000000" pitchFamily="2" charset="-79"/>
               </a:rPr>
               <a:t>And seek to find His way.</a:t>
             </a:r>
